--- a/BCI - Batch2 - Day14 - DeFi 1.pptx
+++ b/BCI - Batch2 - Day14 - DeFi 1.pptx
@@ -18,10 +18,6 @@
     <p:sldId id="1850" r:id="rId11"/>
     <p:sldId id="1851" r:id="rId12"/>
     <p:sldId id="1828" r:id="rId13"/>
-    <p:sldId id="1860" r:id="rId14"/>
-    <p:sldId id="1861" r:id="rId15"/>
-    <p:sldId id="1862" r:id="rId16"/>
-    <p:sldId id="1863" r:id="rId17"/>
   </p:sldIdLst>
   <p:sldSz cx="9144000" cy="6858000" type="screen4x3"/>
   <p:notesSz cx="7315200" cy="9601200"/>
@@ -7369,708 +7365,6 @@
 </p:sld>
 </file>
 
-<file path=ppt/slides/slide11.xml><?xml version="1.0" encoding="utf-8"?>
-<p:sld xmlns:a="http://schemas.openxmlformats.org/drawingml/2006/main" xmlns:r="http://schemas.openxmlformats.org/officeDocument/2006/relationships" xmlns:p="http://schemas.openxmlformats.org/presentationml/2006/main">
-  <p:cSld>
-    <p:spTree>
-      <p:nvGrpSpPr>
-        <p:cNvPr id="1" name=""/>
-        <p:cNvGrpSpPr/>
-        <p:nvPr/>
-      </p:nvGrpSpPr>
-      <p:grpSpPr>
-        <a:xfrm>
-          <a:off x="0" y="0"/>
-          <a:ext cx="0" cy="0"/>
-          <a:chOff x="0" y="0"/>
-          <a:chExt cx="0" cy="0"/>
-        </a:xfrm>
-      </p:grpSpPr>
-      <p:sp>
-        <p:nvSpPr>
-          <p:cNvPr id="2" name="Title 1"/>
-          <p:cNvSpPr>
-            <a:spLocks noGrp="1"/>
-          </p:cNvSpPr>
-          <p:nvPr>
-            <p:ph type="title"/>
-          </p:nvPr>
-        </p:nvSpPr>
-        <p:spPr>
-          <a:xfrm>
-            <a:off x="628650" y="155263"/>
-            <a:ext cx="7886700" cy="526790"/>
-          </a:xfrm>
-        </p:spPr>
-        <p:txBody>
-          <a:bodyPr>
-            <a:normAutofit fontScale="90000"/>
-          </a:bodyPr>
-          <a:lstStyle/>
-          <a:p>
-            <a:pPr algn="ctr"/>
-            <a:r>
-              <a:rPr lang="en-US" sz="3200" b="1" dirty="0">
-                <a:latin typeface="Calibri" panose="020F0502020204030204" pitchFamily="34" charset="0"/>
-                <a:cs typeface="Calibri" panose="020F0502020204030204" pitchFamily="34" charset="0"/>
-              </a:rPr>
-              <a:t>Factory and Proxy Pattern</a:t>
-            </a:r>
-            <a:endParaRPr lang="en-US" sz="3200" b="1" dirty="0">
-              <a:latin typeface="Calibri" panose="020F0502020204030204" pitchFamily="34" charset="0"/>
-              <a:cs typeface="Calibri" panose="020F0502020204030204" pitchFamily="34" charset="0"/>
-            </a:endParaRPr>
-          </a:p>
-        </p:txBody>
-      </p:sp>
-      <p:sp>
-        <p:nvSpPr>
-          <p:cNvPr id="3" name="Content Placeholder 2"/>
-          <p:cNvSpPr>
-            <a:spLocks noGrp="1"/>
-          </p:cNvSpPr>
-          <p:nvPr>
-            <p:ph idx="1"/>
-          </p:nvPr>
-        </p:nvSpPr>
-        <p:spPr>
-          <a:xfrm>
-            <a:off x="628650" y="989044"/>
-            <a:ext cx="7886700" cy="5605719"/>
-          </a:xfrm>
-        </p:spPr>
-        <p:txBody>
-          <a:bodyPr>
-            <a:normAutofit/>
-          </a:bodyPr>
-          <a:lstStyle/>
-          <a:p>
-            <a:pPr lvl="1" defTabSz="342900">
-              <a:lnSpc>
-                <a:spcPct val="120000"/>
-              </a:lnSpc>
-            </a:pPr>
-            <a:r>
-              <a:rPr lang="en-US" altLang="en-US" sz="1540" b="1" dirty="0">
-                <a:solidFill>
-                  <a:srgbClr val="262626"/>
-                </a:solidFill>
-              </a:rPr>
-              <a:t>What Is the Factory Pattern?</a:t>
-            </a:r>
-            <a:endParaRPr lang="en-US" altLang="en-US" sz="1540" b="1" dirty="0">
-              <a:solidFill>
-                <a:srgbClr val="262626"/>
-              </a:solidFill>
-            </a:endParaRPr>
-          </a:p>
-          <a:p>
-            <a:pPr lvl="1" defTabSz="342900">
-              <a:lnSpc>
-                <a:spcPct val="120000"/>
-              </a:lnSpc>
-            </a:pPr>
-            <a:endParaRPr lang="en-US" altLang="en-US" sz="1540" dirty="0">
-              <a:solidFill>
-                <a:srgbClr val="262626"/>
-              </a:solidFill>
-            </a:endParaRPr>
-          </a:p>
-          <a:p>
-            <a:pPr lvl="1" defTabSz="342900">
-              <a:lnSpc>
-                <a:spcPct val="120000"/>
-              </a:lnSpc>
-            </a:pPr>
-            <a:r>
-              <a:rPr lang="en-US" altLang="en-US" sz="1540" dirty="0">
-                <a:solidFill>
-                  <a:srgbClr val="262626"/>
-                </a:solidFill>
-              </a:rPr>
-              <a:t>The idea of the factory pattern is to have a contract (the factory) that will carry the mission of creating other contracts.</a:t>
-            </a:r>
-            <a:endParaRPr lang="en-US" altLang="en-US" sz="1540" dirty="0">
-              <a:solidFill>
-                <a:srgbClr val="262626"/>
-              </a:solidFill>
-            </a:endParaRPr>
-          </a:p>
-          <a:p>
-            <a:pPr lvl="1" defTabSz="342900">
-              <a:lnSpc>
-                <a:spcPct val="120000"/>
-              </a:lnSpc>
-            </a:pPr>
-            <a:endParaRPr lang="en-US" altLang="en-US" sz="1540" dirty="0">
-              <a:solidFill>
-                <a:srgbClr val="262626"/>
-              </a:solidFill>
-            </a:endParaRPr>
-          </a:p>
-          <a:p>
-            <a:pPr lvl="1" defTabSz="342900">
-              <a:lnSpc>
-                <a:spcPct val="120000"/>
-              </a:lnSpc>
-            </a:pPr>
-            <a:r>
-              <a:rPr lang="en-US" altLang="en-US" sz="1540" dirty="0">
-                <a:solidFill>
-                  <a:srgbClr val="262626"/>
-                </a:solidFill>
-              </a:rPr>
-              <a:t>Why Use the Factory Pattern in Solidity?</a:t>
-            </a:r>
-            <a:endParaRPr lang="en-US" altLang="en-US" sz="1540" dirty="0">
-              <a:solidFill>
-                <a:srgbClr val="262626"/>
-              </a:solidFill>
-            </a:endParaRPr>
-          </a:p>
-          <a:p>
-            <a:pPr lvl="1" defTabSz="342900">
-              <a:lnSpc>
-                <a:spcPct val="120000"/>
-              </a:lnSpc>
-            </a:pPr>
-            <a:endParaRPr lang="en-US" altLang="en-US" sz="1540" dirty="0">
-              <a:solidFill>
-                <a:srgbClr val="262626"/>
-              </a:solidFill>
-            </a:endParaRPr>
-          </a:p>
-          <a:p>
-            <a:pPr lvl="1" defTabSz="342900">
-              <a:lnSpc>
-                <a:spcPct val="120000"/>
-              </a:lnSpc>
-            </a:pPr>
-            <a:r>
-              <a:rPr lang="en-US" altLang="en-US" sz="1540" dirty="0">
-                <a:solidFill>
-                  <a:srgbClr val="262626"/>
-                </a:solidFill>
-              </a:rPr>
-              <a:t>1 If you want to create multiple instances of the same contract and you’re looking for a way to keep track of them and make their management easier.</a:t>
-            </a:r>
-            <a:endParaRPr lang="en-US" altLang="en-US" sz="1540" dirty="0">
-              <a:solidFill>
-                <a:srgbClr val="262626"/>
-              </a:solidFill>
-            </a:endParaRPr>
-          </a:p>
-          <a:p>
-            <a:pPr lvl="1" defTabSz="342900">
-              <a:lnSpc>
-                <a:spcPct val="120000"/>
-              </a:lnSpc>
-            </a:pPr>
-            <a:endParaRPr lang="en-US" altLang="en-US" sz="1540" dirty="0">
-              <a:solidFill>
-                <a:srgbClr val="262626"/>
-              </a:solidFill>
-            </a:endParaRPr>
-          </a:p>
-          <a:p>
-            <a:pPr lvl="1" defTabSz="342900">
-              <a:lnSpc>
-                <a:spcPct val="120000"/>
-              </a:lnSpc>
-            </a:pPr>
-            <a:r>
-              <a:rPr lang="en-US" altLang="en-US" sz="1540" dirty="0">
-                <a:solidFill>
-                  <a:srgbClr val="262626"/>
-                </a:solidFill>
-              </a:rPr>
-              <a:t>2 Save gas on deployment: You can deploy only the factory and use it later to deploy the other contracts.</a:t>
-            </a:r>
-            <a:endParaRPr lang="en-US" altLang="en-US" sz="1540" dirty="0">
-              <a:solidFill>
-                <a:srgbClr val="262626"/>
-              </a:solidFill>
-            </a:endParaRPr>
-          </a:p>
-          <a:p>
-            <a:pPr lvl="1" defTabSz="342900">
-              <a:lnSpc>
-                <a:spcPct val="120000"/>
-              </a:lnSpc>
-            </a:pPr>
-            <a:endParaRPr lang="en-US" altLang="en-US" sz="1540" dirty="0">
-              <a:solidFill>
-                <a:srgbClr val="262626"/>
-              </a:solidFill>
-            </a:endParaRPr>
-          </a:p>
-          <a:p>
-            <a:pPr lvl="1" defTabSz="342900">
-              <a:lnSpc>
-                <a:spcPct val="120000"/>
-              </a:lnSpc>
-            </a:pPr>
-            <a:r>
-              <a:rPr lang="en-US" altLang="en-US" sz="1540" dirty="0">
-                <a:solidFill>
-                  <a:srgbClr val="262626"/>
-                </a:solidFill>
-              </a:rPr>
-              <a:t> 3 Improve contract security: make logic simpler, upgradeable, so safer.</a:t>
-            </a:r>
-            <a:endParaRPr lang="en-US" altLang="en-US" sz="1540" dirty="0">
-              <a:solidFill>
-                <a:srgbClr val="262626"/>
-              </a:solidFill>
-            </a:endParaRPr>
-          </a:p>
-        </p:txBody>
-      </p:sp>
-    </p:spTree>
-  </p:cSld>
-  <p:clrMapOvr>
-    <a:masterClrMapping/>
-  </p:clrMapOvr>
-</p:sld>
-</file>
-
-<file path=ppt/slides/slide12.xml><?xml version="1.0" encoding="utf-8"?>
-<p:sld xmlns:a="http://schemas.openxmlformats.org/drawingml/2006/main" xmlns:r="http://schemas.openxmlformats.org/officeDocument/2006/relationships" xmlns:p="http://schemas.openxmlformats.org/presentationml/2006/main">
-  <p:cSld>
-    <p:spTree>
-      <p:nvGrpSpPr>
-        <p:cNvPr id="1" name=""/>
-        <p:cNvGrpSpPr/>
-        <p:nvPr/>
-      </p:nvGrpSpPr>
-      <p:grpSpPr>
-        <a:xfrm>
-          <a:off x="0" y="0"/>
-          <a:ext cx="0" cy="0"/>
-          <a:chOff x="0" y="0"/>
-          <a:chExt cx="0" cy="0"/>
-        </a:xfrm>
-      </p:grpSpPr>
-      <p:sp>
-        <p:nvSpPr>
-          <p:cNvPr id="2" name="Title 1"/>
-          <p:cNvSpPr>
-            <a:spLocks noGrp="1"/>
-          </p:cNvSpPr>
-          <p:nvPr>
-            <p:ph type="title"/>
-          </p:nvPr>
-        </p:nvSpPr>
-        <p:spPr>
-          <a:xfrm>
-            <a:off x="628650" y="155263"/>
-            <a:ext cx="7886700" cy="526790"/>
-          </a:xfrm>
-        </p:spPr>
-        <p:txBody>
-          <a:bodyPr>
-            <a:normAutofit fontScale="90000"/>
-          </a:bodyPr>
-          <a:lstStyle/>
-          <a:p>
-            <a:pPr algn="ctr"/>
-            <a:r>
-              <a:rPr lang="en-US" sz="3200" b="1" dirty="0">
-                <a:latin typeface="Calibri" panose="020F0502020204030204" pitchFamily="34" charset="0"/>
-                <a:cs typeface="Calibri" panose="020F0502020204030204" pitchFamily="34" charset="0"/>
-              </a:rPr>
-              <a:t>Factory and Proxy Pattern</a:t>
-            </a:r>
-            <a:endParaRPr lang="en-US" sz="3200" b="1" dirty="0">
-              <a:latin typeface="Calibri" panose="020F0502020204030204" pitchFamily="34" charset="0"/>
-              <a:cs typeface="Calibri" panose="020F0502020204030204" pitchFamily="34" charset="0"/>
-            </a:endParaRPr>
-          </a:p>
-        </p:txBody>
-      </p:sp>
-      <p:pic>
-        <p:nvPicPr>
-          <p:cNvPr id="5" name="图片 4"/>
-          <p:cNvPicPr>
-            <a:picLocks noChangeAspect="1"/>
-          </p:cNvPicPr>
-          <p:nvPr/>
-        </p:nvPicPr>
-        <p:blipFill>
-          <a:blip r:embed="rId1"/>
-          <a:stretch>
-            <a:fillRect/>
-          </a:stretch>
-        </p:blipFill>
-        <p:spPr>
-          <a:xfrm>
-            <a:off x="464185" y="1160145"/>
-            <a:ext cx="8215630" cy="4537710"/>
-          </a:xfrm>
-          <a:prstGeom prst="rect">
-            <a:avLst/>
-          </a:prstGeom>
-        </p:spPr>
-      </p:pic>
-    </p:spTree>
-  </p:cSld>
-  <p:clrMapOvr>
-    <a:masterClrMapping/>
-  </p:clrMapOvr>
-</p:sld>
-</file>
-
-<file path=ppt/slides/slide13.xml><?xml version="1.0" encoding="utf-8"?>
-<p:sld xmlns:a="http://schemas.openxmlformats.org/drawingml/2006/main" xmlns:r="http://schemas.openxmlformats.org/officeDocument/2006/relationships" xmlns:p="http://schemas.openxmlformats.org/presentationml/2006/main">
-  <p:cSld>
-    <p:spTree>
-      <p:nvGrpSpPr>
-        <p:cNvPr id="1" name=""/>
-        <p:cNvGrpSpPr/>
-        <p:nvPr/>
-      </p:nvGrpSpPr>
-      <p:grpSpPr>
-        <a:xfrm>
-          <a:off x="0" y="0"/>
-          <a:ext cx="0" cy="0"/>
-          <a:chOff x="0" y="0"/>
-          <a:chExt cx="0" cy="0"/>
-        </a:xfrm>
-      </p:grpSpPr>
-      <p:sp>
-        <p:nvSpPr>
-          <p:cNvPr id="2" name="Title 1"/>
-          <p:cNvSpPr>
-            <a:spLocks noGrp="1"/>
-          </p:cNvSpPr>
-          <p:nvPr>
-            <p:ph type="title"/>
-          </p:nvPr>
-        </p:nvSpPr>
-        <p:spPr>
-          <a:xfrm>
-            <a:off x="628650" y="155263"/>
-            <a:ext cx="7886700" cy="526790"/>
-          </a:xfrm>
-        </p:spPr>
-        <p:txBody>
-          <a:bodyPr>
-            <a:normAutofit fontScale="90000"/>
-          </a:bodyPr>
-          <a:lstStyle/>
-          <a:p>
-            <a:pPr algn="ctr"/>
-            <a:r>
-              <a:rPr lang="en-US" sz="3200" b="1" dirty="0">
-                <a:latin typeface="Calibri" panose="020F0502020204030204" pitchFamily="34" charset="0"/>
-                <a:cs typeface="Calibri" panose="020F0502020204030204" pitchFamily="34" charset="0"/>
-              </a:rPr>
-              <a:t>Factory and Proxy Pattern</a:t>
-            </a:r>
-            <a:endParaRPr lang="en-US" sz="3200" b="1" dirty="0">
-              <a:latin typeface="Calibri" panose="020F0502020204030204" pitchFamily="34" charset="0"/>
-              <a:cs typeface="Calibri" panose="020F0502020204030204" pitchFamily="34" charset="0"/>
-            </a:endParaRPr>
-          </a:p>
-        </p:txBody>
-      </p:sp>
-      <p:pic>
-        <p:nvPicPr>
-          <p:cNvPr id="6" name="图片 5"/>
-          <p:cNvPicPr>
-            <a:picLocks noChangeAspect="1"/>
-          </p:cNvPicPr>
-          <p:nvPr/>
-        </p:nvPicPr>
-        <p:blipFill>
-          <a:blip r:embed="rId1"/>
-          <a:stretch>
-            <a:fillRect/>
-          </a:stretch>
-        </p:blipFill>
-        <p:spPr>
-          <a:xfrm>
-            <a:off x="561975" y="1147445"/>
-            <a:ext cx="8020050" cy="4562475"/>
-          </a:xfrm>
-          <a:prstGeom prst="rect">
-            <a:avLst/>
-          </a:prstGeom>
-        </p:spPr>
-      </p:pic>
-    </p:spTree>
-  </p:cSld>
-  <p:clrMapOvr>
-    <a:masterClrMapping/>
-  </p:clrMapOvr>
-</p:sld>
-</file>
-
-<file path=ppt/slides/slide14.xml><?xml version="1.0" encoding="utf-8"?>
-<p:sld xmlns:a="http://schemas.openxmlformats.org/drawingml/2006/main" xmlns:r="http://schemas.openxmlformats.org/officeDocument/2006/relationships" xmlns:p="http://schemas.openxmlformats.org/presentationml/2006/main">
-  <p:cSld>
-    <p:spTree>
-      <p:nvGrpSpPr>
-        <p:cNvPr id="1" name=""/>
-        <p:cNvGrpSpPr/>
-        <p:nvPr/>
-      </p:nvGrpSpPr>
-      <p:grpSpPr>
-        <a:xfrm>
-          <a:off x="0" y="0"/>
-          <a:ext cx="0" cy="0"/>
-          <a:chOff x="0" y="0"/>
-          <a:chExt cx="0" cy="0"/>
-        </a:xfrm>
-      </p:grpSpPr>
-      <p:sp>
-        <p:nvSpPr>
-          <p:cNvPr id="2" name="Title 1"/>
-          <p:cNvSpPr>
-            <a:spLocks noGrp="1"/>
-          </p:cNvSpPr>
-          <p:nvPr>
-            <p:ph type="title"/>
-          </p:nvPr>
-        </p:nvSpPr>
-        <p:spPr>
-          <a:xfrm>
-            <a:off x="628650" y="155263"/>
-            <a:ext cx="7886700" cy="526790"/>
-          </a:xfrm>
-        </p:spPr>
-        <p:txBody>
-          <a:bodyPr>
-            <a:normAutofit fontScale="90000"/>
-          </a:bodyPr>
-          <a:lstStyle/>
-          <a:p>
-            <a:pPr algn="ctr"/>
-            <a:r>
-              <a:rPr lang="en-US" sz="3200" b="1" dirty="0">
-                <a:latin typeface="Calibri" panose="020F0502020204030204" pitchFamily="34" charset="0"/>
-                <a:cs typeface="Calibri" panose="020F0502020204030204" pitchFamily="34" charset="0"/>
-              </a:rPr>
-              <a:t>Factory and Proxy Pattern: Openzeppelin</a:t>
-            </a:r>
-            <a:endParaRPr lang="en-US" sz="3200" b="1" dirty="0">
-              <a:latin typeface="Calibri" panose="020F0502020204030204" pitchFamily="34" charset="0"/>
-              <a:cs typeface="Calibri" panose="020F0502020204030204" pitchFamily="34" charset="0"/>
-            </a:endParaRPr>
-          </a:p>
-        </p:txBody>
-      </p:sp>
-      <p:sp>
-        <p:nvSpPr>
-          <p:cNvPr id="3" name="Content Placeholder 2"/>
-          <p:cNvSpPr>
-            <a:spLocks noGrp="1"/>
-          </p:cNvSpPr>
-          <p:nvPr>
-            <p:ph idx="1"/>
-          </p:nvPr>
-        </p:nvSpPr>
-        <p:spPr>
-          <a:xfrm>
-            <a:off x="628650" y="989044"/>
-            <a:ext cx="7886700" cy="5605719"/>
-          </a:xfrm>
-        </p:spPr>
-        <p:txBody>
-          <a:bodyPr>
-            <a:normAutofit/>
-          </a:bodyPr>
-          <a:lstStyle/>
-          <a:p>
-            <a:pPr lvl="1" defTabSz="342900">
-              <a:lnSpc>
-                <a:spcPct val="120000"/>
-              </a:lnSpc>
-            </a:pPr>
-            <a:r>
-              <a:rPr lang="en-US" altLang="en-US" sz="1540" b="1" dirty="0">
-                <a:solidFill>
-                  <a:srgbClr val="262626"/>
-                </a:solidFill>
-              </a:rPr>
-              <a:t>What Is the Factory Pattern?</a:t>
-            </a:r>
-            <a:endParaRPr lang="en-US" altLang="en-US" sz="1540" b="1" dirty="0">
-              <a:solidFill>
-                <a:srgbClr val="262626"/>
-              </a:solidFill>
-            </a:endParaRPr>
-          </a:p>
-          <a:p>
-            <a:pPr lvl="1" defTabSz="342900">
-              <a:lnSpc>
-                <a:spcPct val="120000"/>
-              </a:lnSpc>
-            </a:pPr>
-            <a:endParaRPr lang="en-US" altLang="en-US" sz="1540" dirty="0">
-              <a:solidFill>
-                <a:srgbClr val="262626"/>
-              </a:solidFill>
-            </a:endParaRPr>
-          </a:p>
-          <a:p>
-            <a:pPr lvl="1" defTabSz="342900">
-              <a:lnSpc>
-                <a:spcPct val="120000"/>
-              </a:lnSpc>
-            </a:pPr>
-            <a:r>
-              <a:rPr lang="en-US" altLang="en-US" sz="1540" dirty="0">
-                <a:solidFill>
-                  <a:srgbClr val="262626"/>
-                </a:solidFill>
-              </a:rPr>
-              <a:t>The idea of the factory pattern is to have a contract (the factory) that will carry the mission of creating other contracts.</a:t>
-            </a:r>
-            <a:endParaRPr lang="en-US" altLang="en-US" sz="1540" dirty="0">
-              <a:solidFill>
-                <a:srgbClr val="262626"/>
-              </a:solidFill>
-            </a:endParaRPr>
-          </a:p>
-          <a:p>
-            <a:pPr lvl="1" defTabSz="342900">
-              <a:lnSpc>
-                <a:spcPct val="120000"/>
-              </a:lnSpc>
-            </a:pPr>
-            <a:endParaRPr lang="en-US" altLang="en-US" sz="1540" dirty="0">
-              <a:solidFill>
-                <a:srgbClr val="262626"/>
-              </a:solidFill>
-            </a:endParaRPr>
-          </a:p>
-          <a:p>
-            <a:pPr lvl="1" defTabSz="342900">
-              <a:lnSpc>
-                <a:spcPct val="120000"/>
-              </a:lnSpc>
-            </a:pPr>
-            <a:r>
-              <a:rPr lang="en-US" altLang="en-US" sz="1540" dirty="0">
-                <a:solidFill>
-                  <a:srgbClr val="262626"/>
-                </a:solidFill>
-              </a:rPr>
-              <a:t>Why Use the Factory Pattern in Solidity?</a:t>
-            </a:r>
-            <a:endParaRPr lang="en-US" altLang="en-US" sz="1540" dirty="0">
-              <a:solidFill>
-                <a:srgbClr val="262626"/>
-              </a:solidFill>
-            </a:endParaRPr>
-          </a:p>
-          <a:p>
-            <a:pPr lvl="1" defTabSz="342900">
-              <a:lnSpc>
-                <a:spcPct val="120000"/>
-              </a:lnSpc>
-            </a:pPr>
-            <a:endParaRPr lang="en-US" altLang="en-US" sz="1540" dirty="0">
-              <a:solidFill>
-                <a:srgbClr val="262626"/>
-              </a:solidFill>
-            </a:endParaRPr>
-          </a:p>
-          <a:p>
-            <a:pPr lvl="1" defTabSz="342900">
-              <a:lnSpc>
-                <a:spcPct val="120000"/>
-              </a:lnSpc>
-            </a:pPr>
-            <a:r>
-              <a:rPr lang="en-US" altLang="en-US" sz="1540" dirty="0">
-                <a:solidFill>
-                  <a:srgbClr val="262626"/>
-                </a:solidFill>
-              </a:rPr>
-              <a:t>1 If you want to create multiple instances of the same contract and you’re looking for a way to keep track of them and make their management easier.</a:t>
-            </a:r>
-            <a:endParaRPr lang="en-US" altLang="en-US" sz="1540" dirty="0">
-              <a:solidFill>
-                <a:srgbClr val="262626"/>
-              </a:solidFill>
-            </a:endParaRPr>
-          </a:p>
-          <a:p>
-            <a:pPr lvl="1" defTabSz="342900">
-              <a:lnSpc>
-                <a:spcPct val="120000"/>
-              </a:lnSpc>
-            </a:pPr>
-            <a:endParaRPr lang="en-US" altLang="en-US" sz="1540" dirty="0">
-              <a:solidFill>
-                <a:srgbClr val="262626"/>
-              </a:solidFill>
-            </a:endParaRPr>
-          </a:p>
-          <a:p>
-            <a:pPr lvl="1" defTabSz="342900">
-              <a:lnSpc>
-                <a:spcPct val="120000"/>
-              </a:lnSpc>
-            </a:pPr>
-            <a:r>
-              <a:rPr lang="en-US" altLang="en-US" sz="1540" dirty="0">
-                <a:solidFill>
-                  <a:srgbClr val="262626"/>
-                </a:solidFill>
-              </a:rPr>
-              <a:t>2 Save gas on deployment: You can deploy only the factory and use it later to deploy the other contracts.</a:t>
-            </a:r>
-            <a:endParaRPr lang="en-US" altLang="en-US" sz="1540" dirty="0">
-              <a:solidFill>
-                <a:srgbClr val="262626"/>
-              </a:solidFill>
-            </a:endParaRPr>
-          </a:p>
-          <a:p>
-            <a:pPr lvl="1" defTabSz="342900">
-              <a:lnSpc>
-                <a:spcPct val="120000"/>
-              </a:lnSpc>
-            </a:pPr>
-            <a:endParaRPr lang="en-US" altLang="en-US" sz="1540" dirty="0">
-              <a:solidFill>
-                <a:srgbClr val="262626"/>
-              </a:solidFill>
-            </a:endParaRPr>
-          </a:p>
-          <a:p>
-            <a:pPr lvl="1" defTabSz="342900">
-              <a:lnSpc>
-                <a:spcPct val="120000"/>
-              </a:lnSpc>
-            </a:pPr>
-            <a:r>
-              <a:rPr lang="en-US" altLang="en-US" sz="1540" dirty="0">
-                <a:solidFill>
-                  <a:srgbClr val="262626"/>
-                </a:solidFill>
-              </a:rPr>
-              <a:t> 3 Improve contract security: make logic simpler, upgradeable, so safer.</a:t>
-            </a:r>
-            <a:endParaRPr lang="en-US" altLang="en-US" sz="1540" dirty="0">
-              <a:solidFill>
-                <a:srgbClr val="262626"/>
-              </a:solidFill>
-            </a:endParaRPr>
-          </a:p>
-        </p:txBody>
-      </p:sp>
-    </p:spTree>
-  </p:cSld>
-  <p:clrMapOvr>
-    <a:masterClrMapping/>
-  </p:clrMapOvr>
-</p:sld>
-</file>
-
 <file path=ppt/slides/slide2.xml><?xml version="1.0" encoding="utf-8"?>
 <p:sld xmlns:a="http://schemas.openxmlformats.org/drawingml/2006/main" xmlns:r="http://schemas.openxmlformats.org/officeDocument/2006/relationships" xmlns:p="http://schemas.openxmlformats.org/presentationml/2006/main">
   <p:cSld>
@@ -8342,10 +7636,10 @@
                 <a:solidFill>
                   <a:srgbClr val="FFFFFF"/>
                 </a:solidFill>
-                <a:latin typeface="Montserrat"/>
-                <a:ea typeface="Montserrat"/>
-                <a:cs typeface="Montserrat"/>
-                <a:sym typeface="Montserrat"/>
+                <a:latin typeface="Montserrat" panose="00000500000000000000"/>
+                <a:ea typeface="Montserrat" panose="00000500000000000000"/>
+                <a:cs typeface="Montserrat" panose="00000500000000000000"/>
+                <a:sym typeface="Montserrat" panose="00000500000000000000"/>
               </a:defRPr>
             </a:lvl1pPr>
           </a:lstStyle>

--- a/BCI - Batch2 - Day14 - DeFi 1.pptx
+++ b/BCI - Batch2 - Day14 - DeFi 1.pptx
@@ -15,9 +15,11 @@
     <p:sldId id="1859" r:id="rId8"/>
     <p:sldId id="1843" r:id="rId9"/>
     <p:sldId id="1841" r:id="rId10"/>
-    <p:sldId id="1850" r:id="rId11"/>
-    <p:sldId id="1851" r:id="rId12"/>
-    <p:sldId id="1828" r:id="rId13"/>
+    <p:sldId id="1867" r:id="rId11"/>
+    <p:sldId id="1850" r:id="rId12"/>
+    <p:sldId id="1866" r:id="rId13"/>
+    <p:sldId id="1851" r:id="rId14"/>
+    <p:sldId id="1828" r:id="rId15"/>
   </p:sldIdLst>
   <p:sldSz cx="9144000" cy="6858000" type="screen4x3"/>
   <p:notesSz cx="7315200" cy="9601200"/>
@@ -7304,6 +7306,676 @@
               <a:rPr lang="en-US" sz="3200" b="1" dirty="0">
                 <a:latin typeface="Calibri" panose="020F0502020204030204" pitchFamily="34" charset="0"/>
                 <a:cs typeface="Calibri" panose="020F0502020204030204" pitchFamily="34" charset="0"/>
+                <a:sym typeface="+mn-ea"/>
+              </a:rPr>
+              <a:t>Uniswap Contracts Introduction</a:t>
+            </a:r>
+            <a:endParaRPr lang="en-US" sz="3200" b="1" dirty="0">
+              <a:latin typeface="Calibri" panose="020F0502020204030204" pitchFamily="34" charset="0"/>
+              <a:cs typeface="Calibri" panose="020F0502020204030204" pitchFamily="34" charset="0"/>
+            </a:endParaRPr>
+          </a:p>
+        </p:txBody>
+      </p:sp>
+      <p:sp>
+        <p:nvSpPr>
+          <p:cNvPr id="6" name="Content Placeholder 2"/>
+          <p:cNvSpPr>
+            <a:spLocks noGrp="1"/>
+          </p:cNvSpPr>
+          <p:nvPr>
+            <p:ph idx="1"/>
+          </p:nvPr>
+        </p:nvSpPr>
+        <p:spPr>
+          <a:xfrm>
+            <a:off x="628650" y="989044"/>
+            <a:ext cx="7886700" cy="5605719"/>
+          </a:xfrm>
+        </p:spPr>
+        <p:txBody>
+          <a:bodyPr>
+            <a:normAutofit/>
+          </a:bodyPr>
+          <a:lstStyle/>
+          <a:p>
+            <a:pPr marL="228600" lvl="0" indent="-228600" defTabSz="342900">
+              <a:lnSpc>
+                <a:spcPct val="120000"/>
+              </a:lnSpc>
+              <a:buFont typeface="Arial" panose="020B0604020202020204" pitchFamily="34" charset="0"/>
+              <a:buChar char="•"/>
+            </a:pPr>
+            <a:r>
+              <a:rPr lang="en-US" altLang="en-US" sz="1540" dirty="0">
+                <a:solidFill>
+                  <a:srgbClr val="262626"/>
+                </a:solidFill>
+              </a:rPr>
+              <a:t>2 main repositories:</a:t>
+            </a:r>
+            <a:endParaRPr lang="en-US" altLang="en-US" sz="1540" dirty="0">
+              <a:solidFill>
+                <a:srgbClr val="262626"/>
+              </a:solidFill>
+            </a:endParaRPr>
+          </a:p>
+          <a:p>
+            <a:pPr marL="228600" lvl="0" indent="-228600" defTabSz="342900">
+              <a:lnSpc>
+                <a:spcPct val="120000"/>
+              </a:lnSpc>
+              <a:buFont typeface="Arial" panose="020B0604020202020204" pitchFamily="34" charset="0"/>
+              <a:buChar char="•"/>
+            </a:pPr>
+            <a:r>
+              <a:rPr lang="en-US" altLang="en-US" sz="1540" dirty="0">
+                <a:solidFill>
+                  <a:srgbClr val="262626"/>
+                </a:solidFill>
+              </a:rPr>
+              <a:t>Uniswap-Core</a:t>
+            </a:r>
+            <a:endParaRPr lang="en-US" altLang="en-US" sz="1540" dirty="0">
+              <a:solidFill>
+                <a:srgbClr val="262626"/>
+              </a:solidFill>
+            </a:endParaRPr>
+          </a:p>
+          <a:p>
+            <a:pPr marL="228600" lvl="0" indent="-228600" defTabSz="342900">
+              <a:lnSpc>
+                <a:spcPct val="120000"/>
+              </a:lnSpc>
+              <a:buFont typeface="Arial" panose="020B0604020202020204" pitchFamily="34" charset="0"/>
+              <a:buChar char="•"/>
+            </a:pPr>
+            <a:r>
+              <a:rPr lang="en-US" altLang="en-US" sz="1540" dirty="0">
+                <a:solidFill>
+                  <a:srgbClr val="262626"/>
+                </a:solidFill>
+              </a:rPr>
+              <a:t>Periphery</a:t>
+            </a:r>
+            <a:endParaRPr lang="en-US" altLang="en-US" sz="1540" dirty="0">
+              <a:solidFill>
+                <a:srgbClr val="262626"/>
+              </a:solidFill>
+            </a:endParaRPr>
+          </a:p>
+          <a:p>
+            <a:pPr marL="228600" lvl="0" indent="-228600" defTabSz="342900">
+              <a:lnSpc>
+                <a:spcPct val="120000"/>
+              </a:lnSpc>
+              <a:buFont typeface="Arial" panose="020B0604020202020204" pitchFamily="34" charset="0"/>
+              <a:buChar char="•"/>
+            </a:pPr>
+            <a:endParaRPr lang="en-US" altLang="en-US" sz="1540" dirty="0">
+              <a:solidFill>
+                <a:srgbClr val="262626"/>
+              </a:solidFill>
+            </a:endParaRPr>
+          </a:p>
+          <a:p>
+            <a:pPr marL="228600" lvl="0" indent="-228600" defTabSz="342900">
+              <a:lnSpc>
+                <a:spcPct val="120000"/>
+              </a:lnSpc>
+              <a:buFont typeface="Arial" panose="020B0604020202020204" pitchFamily="34" charset="0"/>
+              <a:buChar char="•"/>
+            </a:pPr>
+            <a:r>
+              <a:rPr lang="en-US" altLang="en-US" sz="1535" dirty="0">
+                <a:solidFill>
+                  <a:srgbClr val="262626"/>
+                </a:solidFill>
+                <a:sym typeface="+mn-ea"/>
+              </a:rPr>
+              <a:t>Periphery</a:t>
+            </a:r>
+            <a:r>
+              <a:rPr lang="en-US" altLang="en-US" sz="1535" dirty="0">
+                <a:solidFill>
+                  <a:srgbClr val="262626"/>
+                </a:solidFill>
+                <a:sym typeface="+mn-ea"/>
+              </a:rPr>
+              <a:t>: providing tools</a:t>
+            </a:r>
+            <a:endParaRPr lang="en-US" altLang="en-US" sz="1535" dirty="0">
+              <a:solidFill>
+                <a:srgbClr val="262626"/>
+              </a:solidFill>
+            </a:endParaRPr>
+          </a:p>
+          <a:p>
+            <a:pPr marL="228600" lvl="0" indent="-228600" defTabSz="342900">
+              <a:lnSpc>
+                <a:spcPct val="120000"/>
+              </a:lnSpc>
+              <a:buFont typeface="Arial" panose="020B0604020202020204" pitchFamily="34" charset="0"/>
+              <a:buChar char="•"/>
+            </a:pPr>
+            <a:r>
+              <a:rPr lang="en-US" altLang="en-US" sz="1540" dirty="0">
+                <a:solidFill>
+                  <a:srgbClr val="262626"/>
+                </a:solidFill>
+              </a:rPr>
+              <a:t>1. Uniswapt: </a:t>
+            </a:r>
+            <a:r>
+              <a:rPr lang="en-US" altLang="en-US" sz="1535" dirty="0">
+                <a:solidFill>
+                  <a:srgbClr val="262626"/>
+                </a:solidFill>
+                <a:sym typeface="+mn-ea"/>
+              </a:rPr>
+              <a:t>migrate liquidity pools from v1 </a:t>
+            </a:r>
+            <a:endParaRPr lang="en-US" altLang="en-US" sz="1535" dirty="0">
+              <a:solidFill>
+                <a:srgbClr val="262626"/>
+              </a:solidFill>
+              <a:sym typeface="+mn-ea"/>
+            </a:endParaRPr>
+          </a:p>
+          <a:p>
+            <a:pPr marL="228600" lvl="0" indent="-228600" defTabSz="342900">
+              <a:lnSpc>
+                <a:spcPct val="120000"/>
+              </a:lnSpc>
+              <a:buFont typeface="Arial" panose="020B0604020202020204" pitchFamily="34" charset="0"/>
+              <a:buChar char="•"/>
+            </a:pPr>
+            <a:r>
+              <a:rPr lang="en-US" altLang="en-US" sz="1535" dirty="0">
+                <a:solidFill>
+                  <a:srgbClr val="262626"/>
+                </a:solidFill>
+                <a:sym typeface="+mn-ea"/>
+              </a:rPr>
+              <a:t>2. Router01: smart contract to trade</a:t>
+            </a:r>
+            <a:endParaRPr lang="en-US" altLang="en-US" sz="1535" dirty="0">
+              <a:solidFill>
+                <a:srgbClr val="262626"/>
+              </a:solidFill>
+              <a:sym typeface="+mn-ea"/>
+            </a:endParaRPr>
+          </a:p>
+          <a:p>
+            <a:pPr marL="228600" lvl="0" indent="-228600" defTabSz="342900">
+              <a:lnSpc>
+                <a:spcPct val="120000"/>
+              </a:lnSpc>
+              <a:buFont typeface="Arial" panose="020B0604020202020204" pitchFamily="34" charset="0"/>
+              <a:buChar char="•"/>
+            </a:pPr>
+            <a:endParaRPr lang="en-US" altLang="en-US" sz="1540" dirty="0">
+              <a:solidFill>
+                <a:srgbClr val="262626"/>
+              </a:solidFill>
+            </a:endParaRPr>
+          </a:p>
+          <a:p>
+            <a:pPr marL="228600" lvl="0" indent="-228600" defTabSz="342900">
+              <a:lnSpc>
+                <a:spcPct val="120000"/>
+              </a:lnSpc>
+              <a:buFont typeface="Arial" panose="020B0604020202020204" pitchFamily="34" charset="0"/>
+              <a:buChar char="•"/>
+            </a:pPr>
+            <a:r>
+              <a:rPr lang="en-US" altLang="en-US" sz="1540" dirty="0">
+                <a:solidFill>
+                  <a:srgbClr val="262626"/>
+                </a:solidFill>
+              </a:rPr>
+              <a:t>(</a:t>
+            </a:r>
+            <a:r>
+              <a:rPr lang="en-US" altLang="en-US" sz="1540" dirty="0">
+                <a:solidFill>
+                  <a:srgbClr val="FF0000"/>
+                </a:solidFill>
+              </a:rPr>
+              <a:t>Code Explain</a:t>
+            </a:r>
+            <a:r>
+              <a:rPr lang="en-US" altLang="en-US" sz="1540" dirty="0">
+                <a:solidFill>
+                  <a:srgbClr val="262626"/>
+                </a:solidFill>
+              </a:rPr>
+              <a:t>)</a:t>
+            </a:r>
+            <a:endParaRPr lang="en-US" altLang="en-US" sz="1540" dirty="0">
+              <a:solidFill>
+                <a:srgbClr val="262626"/>
+              </a:solidFill>
+            </a:endParaRPr>
+          </a:p>
+          <a:p>
+            <a:pPr marL="228600" lvl="0" indent="-228600" defTabSz="342900">
+              <a:lnSpc>
+                <a:spcPct val="120000"/>
+              </a:lnSpc>
+              <a:buFont typeface="Arial" panose="020B0604020202020204" pitchFamily="34" charset="0"/>
+              <a:buChar char="•"/>
+            </a:pPr>
+            <a:endParaRPr lang="en-US" altLang="en-US" sz="1540" dirty="0">
+              <a:solidFill>
+                <a:srgbClr val="262626"/>
+              </a:solidFill>
+            </a:endParaRPr>
+          </a:p>
+        </p:txBody>
+      </p:sp>
+      <p:pic>
+        <p:nvPicPr>
+          <p:cNvPr id="3" name="图片 2"/>
+          <p:cNvPicPr>
+            <a:picLocks noChangeAspect="1"/>
+          </p:cNvPicPr>
+          <p:nvPr/>
+        </p:nvPicPr>
+        <p:blipFill>
+          <a:blip r:embed="rId1"/>
+          <a:stretch>
+            <a:fillRect/>
+          </a:stretch>
+        </p:blipFill>
+        <p:spPr>
+          <a:xfrm>
+            <a:off x="6570345" y="3162935"/>
+            <a:ext cx="2573655" cy="3695065"/>
+          </a:xfrm>
+          <a:prstGeom prst="rect">
+            <a:avLst/>
+          </a:prstGeom>
+        </p:spPr>
+      </p:pic>
+    </p:spTree>
+  </p:cSld>
+  <p:clrMapOvr>
+    <a:masterClrMapping/>
+  </p:clrMapOvr>
+</p:sld>
+</file>
+
+<file path=ppt/slides/slide11.xml><?xml version="1.0" encoding="utf-8"?>
+<p:sld xmlns:a="http://schemas.openxmlformats.org/drawingml/2006/main" xmlns:r="http://schemas.openxmlformats.org/officeDocument/2006/relationships" xmlns:p="http://schemas.openxmlformats.org/presentationml/2006/main">
+  <p:cSld>
+    <p:spTree>
+      <p:nvGrpSpPr>
+        <p:cNvPr id="1" name=""/>
+        <p:cNvGrpSpPr/>
+        <p:nvPr/>
+      </p:nvGrpSpPr>
+      <p:grpSpPr>
+        <a:xfrm>
+          <a:off x="0" y="0"/>
+          <a:ext cx="0" cy="0"/>
+          <a:chOff x="0" y="0"/>
+          <a:chExt cx="0" cy="0"/>
+        </a:xfrm>
+      </p:grpSpPr>
+      <p:sp>
+        <p:nvSpPr>
+          <p:cNvPr id="2" name="Title 1"/>
+          <p:cNvSpPr>
+            <a:spLocks noGrp="1"/>
+          </p:cNvSpPr>
+          <p:nvPr>
+            <p:ph type="title"/>
+          </p:nvPr>
+        </p:nvSpPr>
+        <p:spPr>
+          <a:xfrm>
+            <a:off x="628650" y="155263"/>
+            <a:ext cx="7886700" cy="526790"/>
+          </a:xfrm>
+        </p:spPr>
+        <p:txBody>
+          <a:bodyPr>
+            <a:normAutofit fontScale="90000"/>
+          </a:bodyPr>
+          <a:lstStyle/>
+          <a:p>
+            <a:pPr algn="ctr"/>
+            <a:r>
+              <a:rPr lang="en-US" sz="3200" b="1" dirty="0">
+                <a:latin typeface="Calibri" panose="020F0502020204030204" pitchFamily="34" charset="0"/>
+                <a:cs typeface="Calibri" panose="020F0502020204030204" pitchFamily="34" charset="0"/>
+                <a:sym typeface="+mn-ea"/>
+              </a:rPr>
+              <a:t>Uniswap Contracts</a:t>
+            </a:r>
+            <a:endParaRPr lang="en-US" sz="3200" b="1" dirty="0">
+              <a:latin typeface="Calibri" panose="020F0502020204030204" pitchFamily="34" charset="0"/>
+              <a:cs typeface="Calibri" panose="020F0502020204030204" pitchFamily="34" charset="0"/>
+            </a:endParaRPr>
+          </a:p>
+        </p:txBody>
+      </p:sp>
+      <p:sp>
+        <p:nvSpPr>
+          <p:cNvPr id="5" name="Content Placeholder 2"/>
+          <p:cNvSpPr>
+            <a:spLocks noGrp="1"/>
+          </p:cNvSpPr>
+          <p:nvPr>
+            <p:ph idx="1"/>
+          </p:nvPr>
+        </p:nvSpPr>
+        <p:spPr>
+          <a:xfrm>
+            <a:off x="628650" y="989044"/>
+            <a:ext cx="7886700" cy="5605719"/>
+          </a:xfrm>
+        </p:spPr>
+        <p:txBody>
+          <a:bodyPr>
+            <a:normAutofit lnSpcReduction="10000"/>
+          </a:bodyPr>
+          <a:p>
+            <a:pPr marL="228600" lvl="0" indent="-228600" defTabSz="342900">
+              <a:lnSpc>
+                <a:spcPct val="120000"/>
+              </a:lnSpc>
+              <a:buFont typeface="Arial" panose="020B0604020202020204" pitchFamily="34" charset="0"/>
+              <a:buChar char="•"/>
+            </a:pPr>
+            <a:r>
+              <a:rPr lang="en-US" altLang="en-US" sz="1800" dirty="0">
+                <a:solidFill>
+                  <a:srgbClr val="262626"/>
+                </a:solidFill>
+              </a:rPr>
+              <a:t>The CREATE2 opcode gives us the ability predict the address where a contract will be deployed, without ever having to do so</a:t>
+            </a:r>
+            <a:endParaRPr lang="en-US" altLang="en-US" sz="1800" dirty="0">
+              <a:solidFill>
+                <a:srgbClr val="262626"/>
+              </a:solidFill>
+            </a:endParaRPr>
+          </a:p>
+          <a:p>
+            <a:pPr marL="228600" lvl="0" indent="-228600" defTabSz="342900">
+              <a:lnSpc>
+                <a:spcPct val="120000"/>
+              </a:lnSpc>
+              <a:buFont typeface="Arial" panose="020B0604020202020204" pitchFamily="34" charset="0"/>
+              <a:buChar char="•"/>
+            </a:pPr>
+            <a:endParaRPr lang="en-US" altLang="en-US" sz="1800" dirty="0">
+              <a:solidFill>
+                <a:srgbClr val="262626"/>
+              </a:solidFill>
+            </a:endParaRPr>
+          </a:p>
+          <a:p>
+            <a:pPr marL="228600" lvl="0" indent="-228600" defTabSz="342900">
+              <a:lnSpc>
+                <a:spcPct val="120000"/>
+              </a:lnSpc>
+              <a:buFont typeface="Arial" panose="020B0604020202020204" pitchFamily="34" charset="0"/>
+              <a:buChar char="•"/>
+            </a:pPr>
+            <a:endParaRPr lang="en-US" altLang="en-US" sz="1800" dirty="0">
+              <a:solidFill>
+                <a:srgbClr val="262626"/>
+              </a:solidFill>
+            </a:endParaRPr>
+          </a:p>
+          <a:p>
+            <a:pPr marL="228600" lvl="0" indent="-228600" defTabSz="342900">
+              <a:lnSpc>
+                <a:spcPct val="120000"/>
+              </a:lnSpc>
+              <a:buFont typeface="Arial" panose="020B0604020202020204" pitchFamily="34" charset="0"/>
+              <a:buChar char="•"/>
+            </a:pPr>
+            <a:endParaRPr lang="en-US" altLang="en-US" sz="1800" dirty="0">
+              <a:solidFill>
+                <a:srgbClr val="262626"/>
+              </a:solidFill>
+            </a:endParaRPr>
+          </a:p>
+          <a:p>
+            <a:pPr marL="228600" lvl="0" indent="-228600" defTabSz="342900">
+              <a:lnSpc>
+                <a:spcPct val="120000"/>
+              </a:lnSpc>
+              <a:buFont typeface="Arial" panose="020B0604020202020204" pitchFamily="34" charset="0"/>
+              <a:buChar char="•"/>
+            </a:pPr>
+            <a:endParaRPr lang="en-US" altLang="en-US" sz="1800" dirty="0">
+              <a:solidFill>
+                <a:srgbClr val="262626"/>
+              </a:solidFill>
+            </a:endParaRPr>
+          </a:p>
+          <a:p>
+            <a:pPr marL="228600" lvl="0" indent="-228600" defTabSz="342900">
+              <a:lnSpc>
+                <a:spcPct val="120000"/>
+              </a:lnSpc>
+              <a:buFont typeface="Arial" panose="020B0604020202020204" pitchFamily="34" charset="0"/>
+              <a:buChar char="•"/>
+            </a:pPr>
+            <a:endParaRPr lang="en-US" altLang="en-US" sz="1800" dirty="0">
+              <a:solidFill>
+                <a:srgbClr val="262626"/>
+              </a:solidFill>
+            </a:endParaRPr>
+          </a:p>
+          <a:p>
+            <a:pPr marL="228600" lvl="0" indent="-228600" defTabSz="342900">
+              <a:lnSpc>
+                <a:spcPct val="120000"/>
+              </a:lnSpc>
+              <a:buFont typeface="Arial" panose="020B0604020202020204" pitchFamily="34" charset="0"/>
+              <a:buChar char="•"/>
+            </a:pPr>
+            <a:endParaRPr lang="en-US" altLang="en-US" sz="1800" dirty="0">
+              <a:solidFill>
+                <a:srgbClr val="262626"/>
+              </a:solidFill>
+            </a:endParaRPr>
+          </a:p>
+          <a:p>
+            <a:pPr marL="228600" lvl="0" indent="-228600" defTabSz="342900">
+              <a:lnSpc>
+                <a:spcPct val="120000"/>
+              </a:lnSpc>
+              <a:buFont typeface="Arial" panose="020B0604020202020204" pitchFamily="34" charset="0"/>
+              <a:buChar char="•"/>
+            </a:pPr>
+            <a:r>
+              <a:rPr lang="en-US" altLang="en-US" sz="1800" dirty="0">
+                <a:solidFill>
+                  <a:srgbClr val="262626"/>
+                </a:solidFill>
+              </a:rPr>
+              <a:t>IUniswapV2Pair(pair).initialize(token1,token2) :  when you call functions on that contract, they should be sent to the address </a:t>
+            </a:r>
+            <a:r>
+              <a:rPr lang="en-US" altLang="en-US" sz="1800" dirty="0">
+                <a:solidFill>
+                  <a:srgbClr val="262626"/>
+                </a:solidFill>
+                <a:sym typeface="+mn-ea"/>
+              </a:rPr>
+              <a:t>pair</a:t>
+            </a:r>
+            <a:r>
+              <a:rPr lang="en-US" altLang="en-US" sz="1800" dirty="0">
+                <a:solidFill>
+                  <a:srgbClr val="262626"/>
+                </a:solidFill>
+              </a:rPr>
+              <a:t>.</a:t>
+            </a:r>
+            <a:endParaRPr lang="en-US" altLang="en-US" sz="1800" dirty="0">
+              <a:solidFill>
+                <a:srgbClr val="262626"/>
+              </a:solidFill>
+            </a:endParaRPr>
+          </a:p>
+          <a:p>
+            <a:pPr marL="228600" lvl="0" indent="-228600" defTabSz="342900">
+              <a:lnSpc>
+                <a:spcPct val="120000"/>
+              </a:lnSpc>
+              <a:buFont typeface="Arial" panose="020B0604020202020204" pitchFamily="34" charset="0"/>
+              <a:buChar char="•"/>
+            </a:pPr>
+            <a:r>
+              <a:rPr lang="en-US" altLang="en-US" sz="1800" dirty="0">
+                <a:solidFill>
+                  <a:srgbClr val="262626"/>
+                </a:solidFill>
+              </a:rPr>
+              <a:t>use type(aa).creationCode to create a new contract</a:t>
+            </a:r>
+            <a:endParaRPr lang="en-US" altLang="en-US" sz="1800" dirty="0">
+              <a:solidFill>
+                <a:srgbClr val="262626"/>
+              </a:solidFill>
+            </a:endParaRPr>
+          </a:p>
+          <a:p>
+            <a:pPr marL="228600" lvl="0" indent="-228600" defTabSz="342900">
+              <a:lnSpc>
+                <a:spcPct val="120000"/>
+              </a:lnSpc>
+              <a:buFont typeface="Arial" panose="020B0604020202020204" pitchFamily="34" charset="0"/>
+              <a:buChar char="•"/>
+            </a:pPr>
+            <a:r>
+              <a:rPr lang="en-US" altLang="en-US" sz="1800" dirty="0">
+                <a:solidFill>
+                  <a:srgbClr val="262626"/>
+                </a:solidFill>
+              </a:rPr>
+              <a:t>keccak256(bytes memory) returns (bytes32) − computes the Keccak-256 hash of the input.</a:t>
+            </a:r>
+            <a:endParaRPr lang="en-US" altLang="en-US" sz="1800" dirty="0">
+              <a:solidFill>
+                <a:srgbClr val="262626"/>
+              </a:solidFill>
+            </a:endParaRPr>
+          </a:p>
+          <a:p>
+            <a:pPr marL="228600" lvl="0" indent="-228600" defTabSz="342900">
+              <a:lnSpc>
+                <a:spcPct val="120000"/>
+              </a:lnSpc>
+              <a:buFont typeface="Arial" panose="020B0604020202020204" pitchFamily="34" charset="0"/>
+              <a:buChar char="•"/>
+            </a:pPr>
+            <a:endParaRPr lang="en-US" altLang="en-US" sz="1800" dirty="0">
+              <a:solidFill>
+                <a:srgbClr val="262626"/>
+              </a:solidFill>
+            </a:endParaRPr>
+          </a:p>
+          <a:p>
+            <a:pPr marL="228600" lvl="0" indent="-228600" defTabSz="342900">
+              <a:lnSpc>
+                <a:spcPct val="120000"/>
+              </a:lnSpc>
+              <a:buFont typeface="Arial" panose="020B0604020202020204" pitchFamily="34" charset="0"/>
+              <a:buChar char="•"/>
+            </a:pPr>
+            <a:endParaRPr lang="en-US" altLang="en-US" sz="1800" dirty="0">
+              <a:solidFill>
+                <a:srgbClr val="262626"/>
+              </a:solidFill>
+            </a:endParaRPr>
+          </a:p>
+        </p:txBody>
+      </p:sp>
+      <p:pic>
+        <p:nvPicPr>
+          <p:cNvPr id="6" name="图片 5"/>
+          <p:cNvPicPr>
+            <a:picLocks noChangeAspect="1"/>
+          </p:cNvPicPr>
+          <p:nvPr/>
+        </p:nvPicPr>
+        <p:blipFill>
+          <a:blip r:embed="rId1"/>
+          <a:stretch>
+            <a:fillRect/>
+          </a:stretch>
+        </p:blipFill>
+        <p:spPr>
+          <a:xfrm>
+            <a:off x="628650" y="1882775"/>
+            <a:ext cx="4867275" cy="2314575"/>
+          </a:xfrm>
+          <a:prstGeom prst="rect">
+            <a:avLst/>
+          </a:prstGeom>
+        </p:spPr>
+      </p:pic>
+    </p:spTree>
+  </p:cSld>
+  <p:clrMapOvr>
+    <a:masterClrMapping/>
+  </p:clrMapOvr>
+</p:sld>
+</file>
+
+<file path=ppt/slides/slide12.xml><?xml version="1.0" encoding="utf-8"?>
+<p:sld xmlns:a="http://schemas.openxmlformats.org/drawingml/2006/main" xmlns:r="http://schemas.openxmlformats.org/officeDocument/2006/relationships" xmlns:p="http://schemas.openxmlformats.org/presentationml/2006/main">
+  <p:cSld>
+    <p:spTree>
+      <p:nvGrpSpPr>
+        <p:cNvPr id="1" name=""/>
+        <p:cNvGrpSpPr/>
+        <p:nvPr/>
+      </p:nvGrpSpPr>
+      <p:grpSpPr>
+        <a:xfrm>
+          <a:off x="0" y="0"/>
+          <a:ext cx="0" cy="0"/>
+          <a:chOff x="0" y="0"/>
+          <a:chExt cx="0" cy="0"/>
+        </a:xfrm>
+      </p:grpSpPr>
+      <p:sp>
+        <p:nvSpPr>
+          <p:cNvPr id="2" name="Title 1"/>
+          <p:cNvSpPr>
+            <a:spLocks noGrp="1"/>
+          </p:cNvSpPr>
+          <p:nvPr>
+            <p:ph type="title"/>
+          </p:nvPr>
+        </p:nvSpPr>
+        <p:spPr>
+          <a:xfrm>
+            <a:off x="628650" y="155263"/>
+            <a:ext cx="7886700" cy="526790"/>
+          </a:xfrm>
+        </p:spPr>
+        <p:txBody>
+          <a:bodyPr>
+            <a:normAutofit fontScale="90000"/>
+          </a:bodyPr>
+          <a:lstStyle/>
+          <a:p>
+            <a:pPr algn="ctr"/>
+            <a:r>
+              <a:rPr lang="en-US" sz="3200" b="1" dirty="0">
+                <a:latin typeface="Calibri" panose="020F0502020204030204" pitchFamily="34" charset="0"/>
+                <a:cs typeface="Calibri" panose="020F0502020204030204" pitchFamily="34" charset="0"/>
               </a:rPr>
               <a:t>Uniswap Fork Demo</a:t>
             </a:r>
@@ -7502,7 +8174,7 @@
             </a:pPr>
             <a:r>
               <a:rPr lang="en-US" dirty="0"/>
-              <a:t>Factory Pattern and Proxy</a:t>
+              <a:t>RISmarket-NFT Example</a:t>
             </a:r>
             <a:endParaRPr lang="en-US" dirty="0"/>
           </a:p>
@@ -7518,65 +8190,8 @@
               <a:buChar char="•"/>
             </a:pPr>
             <a:r>
-              <a:rPr lang="en-US" dirty="0">
-                <a:sym typeface="+mn-ea"/>
-              </a:rPr>
-              <a:t>Demo: </a:t>
-            </a:r>
-            <a:r>
               <a:rPr lang="en-US" dirty="0"/>
-              <a:t>How to Write a Simple Factory and Store Contract using openzeppelin </a:t>
-            </a:r>
-            <a:endParaRPr lang="en-US" dirty="0"/>
-          </a:p>
-          <a:p>
-            <a:pPr marL="171450" lvl="0" indent="-171450" fontAlgn="auto">
-              <a:lnSpc>
-                <a:spcPct val="200000"/>
-              </a:lnSpc>
-              <a:spcBef>
-                <a:spcPts val="700"/>
-              </a:spcBef>
-              <a:buFont typeface="Arial" panose="020B0604020202020204" pitchFamily="34" charset="0"/>
-              <a:buChar char="•"/>
-            </a:pPr>
-            <a:r>
-              <a:rPr lang="en-US" dirty="0"/>
-              <a:t>Use scripts to depoly Contracts</a:t>
-            </a:r>
-            <a:endParaRPr lang="en-US" dirty="0"/>
-          </a:p>
-          <a:p>
-            <a:pPr marL="171450" lvl="0" indent="-171450" fontAlgn="auto">
-              <a:lnSpc>
-                <a:spcPct val="200000"/>
-              </a:lnSpc>
-              <a:spcBef>
-                <a:spcPts val="700"/>
-              </a:spcBef>
-              <a:buFont typeface="Arial" panose="020B0604020202020204" pitchFamily="34" charset="0"/>
-              <a:buChar char="•"/>
-            </a:pPr>
-            <a:r>
-              <a:rPr lang="en-US" dirty="0"/>
-              <a:t>Writing test cases </a:t>
-            </a:r>
-            <a:endParaRPr lang="en-US" dirty="0"/>
-          </a:p>
-          <a:p>
-            <a:pPr marL="171450" lvl="0" indent="-171450" fontAlgn="auto">
-              <a:lnSpc>
-                <a:spcPct val="200000"/>
-              </a:lnSpc>
-              <a:spcBef>
-                <a:spcPts val="700"/>
-              </a:spcBef>
-              <a:buFont typeface="Arial" panose="020B0604020202020204" pitchFamily="34" charset="0"/>
-              <a:buChar char="•"/>
-            </a:pPr>
-            <a:r>
-              <a:rPr lang="en-US" dirty="0"/>
-              <a:t>RISmarket-NFT Example</a:t>
+              <a:t>Aave Example</a:t>
             </a:r>
             <a:endParaRPr lang="en-US" dirty="0"/>
           </a:p>
@@ -7862,6 +8477,40 @@
             </a:endParaRPr>
           </a:p>
           <a:p>
+            <a:pPr lvl="1" defTabSz="342900">
+              <a:lnSpc>
+                <a:spcPct val="120000"/>
+              </a:lnSpc>
+            </a:pPr>
+            <a:endParaRPr lang="en-US" altLang="en-US" sz="1540" dirty="0">
+              <a:solidFill>
+                <a:srgbClr val="262626"/>
+              </a:solidFill>
+            </a:endParaRPr>
+          </a:p>
+          <a:p>
+            <a:pPr marL="228600" lvl="0" indent="-228600" defTabSz="342900">
+              <a:lnSpc>
+                <a:spcPct val="120000"/>
+              </a:lnSpc>
+              <a:buFont typeface="Arial" panose="020B0604020202020204" pitchFamily="34" charset="0"/>
+              <a:buChar char="•"/>
+            </a:pPr>
+            <a:r>
+              <a:rPr lang="en-US" altLang="en-US" sz="1800" dirty="0">
+                <a:solidFill>
+                  <a:srgbClr val="262626"/>
+                </a:solidFill>
+              </a:rPr>
+              <a:t>Bond curving vs matching engine</a:t>
+            </a:r>
+            <a:endParaRPr lang="en-US" altLang="en-US" sz="1800" dirty="0">
+              <a:solidFill>
+                <a:srgbClr val="262626"/>
+              </a:solidFill>
+            </a:endParaRPr>
+          </a:p>
+          <a:p>
             <a:pPr marL="457200" lvl="1" indent="0" defTabSz="342900">
               <a:lnSpc>
                 <a:spcPct val="120000"/>
@@ -7910,7 +8559,7 @@
                   <a:srgbClr val="262626"/>
                 </a:solidFill>
               </a:rPr>
-              <a:t>risky for the market maker</a:t>
+              <a:t>risky for the market maker?</a:t>
             </a:r>
             <a:endParaRPr lang="en-US" altLang="en-US" sz="1540" dirty="0">
               <a:solidFill>
@@ -7932,7 +8581,7 @@
                   <a:srgbClr val="262626"/>
                 </a:solidFill>
               </a:rPr>
-              <a:t>need liqudity pool</a:t>
+              <a:t>need liqudity pool?</a:t>
             </a:r>
             <a:endParaRPr lang="en-US" altLang="en-US" sz="1540" dirty="0">
               <a:solidFill>
@@ -8432,6 +9081,137 @@
                 <a:latin typeface="Calibri" panose="020F0502020204030204" pitchFamily="34" charset="0"/>
                 <a:cs typeface="Calibri" panose="020F0502020204030204" pitchFamily="34" charset="0"/>
               </a:rPr>
+              <a:t>Uniswap Info</a:t>
+            </a:r>
+            <a:endParaRPr lang="en-US" sz="3200" b="1" dirty="0">
+              <a:latin typeface="Calibri" panose="020F0502020204030204" pitchFamily="34" charset="0"/>
+              <a:cs typeface="Calibri" panose="020F0502020204030204" pitchFamily="34" charset="0"/>
+            </a:endParaRPr>
+          </a:p>
+        </p:txBody>
+      </p:sp>
+      <p:sp>
+        <p:nvSpPr>
+          <p:cNvPr id="3" name="Content Placeholder 2"/>
+          <p:cNvSpPr>
+            <a:spLocks noGrp="1"/>
+          </p:cNvSpPr>
+          <p:nvPr>
+            <p:ph idx="1"/>
+          </p:nvPr>
+        </p:nvSpPr>
+        <p:spPr>
+          <a:xfrm>
+            <a:off x="628650" y="989044"/>
+            <a:ext cx="7886700" cy="5605719"/>
+          </a:xfrm>
+        </p:spPr>
+        <p:txBody>
+          <a:bodyPr>
+            <a:normAutofit/>
+          </a:bodyPr>
+          <a:lstStyle/>
+          <a:p>
+            <a:pPr marL="228600" lvl="0" indent="-228600" defTabSz="342900">
+              <a:lnSpc>
+                <a:spcPct val="120000"/>
+              </a:lnSpc>
+              <a:buFont typeface="Arial" panose="020B0604020202020204" pitchFamily="34" charset="0"/>
+              <a:buChar char="•"/>
+            </a:pPr>
+            <a:r>
+              <a:rPr lang="en-US" altLang="en-US" sz="1540" dirty="0">
+                <a:solidFill>
+                  <a:srgbClr val="262626"/>
+                </a:solidFill>
+              </a:rPr>
+              <a:t>uniwswap.info</a:t>
+            </a:r>
+            <a:endParaRPr lang="en-US" altLang="en-US" sz="1540" dirty="0">
+              <a:solidFill>
+                <a:srgbClr val="262626"/>
+              </a:solidFill>
+            </a:endParaRPr>
+          </a:p>
+        </p:txBody>
+      </p:sp>
+      <p:pic>
+        <p:nvPicPr>
+          <p:cNvPr id="5" name="图片 4"/>
+          <p:cNvPicPr>
+            <a:picLocks noChangeAspect="1"/>
+          </p:cNvPicPr>
+          <p:nvPr/>
+        </p:nvPicPr>
+        <p:blipFill>
+          <a:blip r:embed="rId1"/>
+          <a:stretch>
+            <a:fillRect/>
+          </a:stretch>
+        </p:blipFill>
+        <p:spPr>
+          <a:xfrm>
+            <a:off x="538480" y="1819910"/>
+            <a:ext cx="8067040" cy="3944620"/>
+          </a:xfrm>
+          <a:prstGeom prst="rect">
+            <a:avLst/>
+          </a:prstGeom>
+        </p:spPr>
+      </p:pic>
+    </p:spTree>
+  </p:cSld>
+  <p:clrMapOvr>
+    <a:masterClrMapping/>
+  </p:clrMapOvr>
+</p:sld>
+</file>
+
+<file path=ppt/slides/slide8.xml><?xml version="1.0" encoding="utf-8"?>
+<p:sld xmlns:a="http://schemas.openxmlformats.org/drawingml/2006/main" xmlns:r="http://schemas.openxmlformats.org/officeDocument/2006/relationships" xmlns:p="http://schemas.openxmlformats.org/presentationml/2006/main">
+  <p:cSld>
+    <p:spTree>
+      <p:nvGrpSpPr>
+        <p:cNvPr id="1" name=""/>
+        <p:cNvGrpSpPr/>
+        <p:nvPr/>
+      </p:nvGrpSpPr>
+      <p:grpSpPr>
+        <a:xfrm>
+          <a:off x="0" y="0"/>
+          <a:ext cx="0" cy="0"/>
+          <a:chOff x="0" y="0"/>
+          <a:chExt cx="0" cy="0"/>
+        </a:xfrm>
+      </p:grpSpPr>
+      <p:sp>
+        <p:nvSpPr>
+          <p:cNvPr id="2" name="Title 1"/>
+          <p:cNvSpPr>
+            <a:spLocks noGrp="1"/>
+          </p:cNvSpPr>
+          <p:nvPr>
+            <p:ph type="title"/>
+          </p:nvPr>
+        </p:nvSpPr>
+        <p:spPr>
+          <a:xfrm>
+            <a:off x="628650" y="155263"/>
+            <a:ext cx="7886700" cy="526790"/>
+          </a:xfrm>
+        </p:spPr>
+        <p:txBody>
+          <a:bodyPr>
+            <a:normAutofit fontScale="90000"/>
+          </a:bodyPr>
+          <a:lstStyle/>
+          <a:p>
+            <a:pPr algn="ctr"/>
+            <a:r>
+              <a:rPr lang="en-US" sz="3200" b="1" dirty="0">
+                <a:latin typeface="Calibri" panose="020F0502020204030204" pitchFamily="34" charset="0"/>
+                <a:cs typeface="Calibri" panose="020F0502020204030204" pitchFamily="34" charset="0"/>
+              </a:rPr>
               <a:t>Overview of Uniswap’s Contracts</a:t>
             </a:r>
             <a:endParaRPr lang="en-US" sz="3200" b="1" dirty="0">
@@ -8550,97 +9330,6 @@
 </p:sld>
 </file>
 
-<file path=ppt/slides/slide8.xml><?xml version="1.0" encoding="utf-8"?>
-<p:sld xmlns:a="http://schemas.openxmlformats.org/drawingml/2006/main" xmlns:r="http://schemas.openxmlformats.org/officeDocument/2006/relationships" xmlns:p="http://schemas.openxmlformats.org/presentationml/2006/main">
-  <p:cSld>
-    <p:spTree>
-      <p:nvGrpSpPr>
-        <p:cNvPr id="1" name=""/>
-        <p:cNvGrpSpPr/>
-        <p:nvPr/>
-      </p:nvGrpSpPr>
-      <p:grpSpPr>
-        <a:xfrm>
-          <a:off x="0" y="0"/>
-          <a:ext cx="0" cy="0"/>
-          <a:chOff x="0" y="0"/>
-          <a:chExt cx="0" cy="0"/>
-        </a:xfrm>
-      </p:grpSpPr>
-      <p:sp>
-        <p:nvSpPr>
-          <p:cNvPr id="2" name="Title 1"/>
-          <p:cNvSpPr>
-            <a:spLocks noGrp="1"/>
-          </p:cNvSpPr>
-          <p:nvPr>
-            <p:ph type="title"/>
-          </p:nvPr>
-        </p:nvSpPr>
-        <p:spPr>
-          <a:xfrm>
-            <a:off x="628650" y="155263"/>
-            <a:ext cx="7886700" cy="526790"/>
-          </a:xfrm>
-        </p:spPr>
-        <p:txBody>
-          <a:bodyPr>
-            <a:normAutofit fontScale="90000"/>
-          </a:bodyPr>
-          <a:lstStyle/>
-          <a:p>
-            <a:pPr algn="ctr"/>
-            <a:r>
-              <a:rPr lang="en-US" sz="3200" b="1" dirty="0">
-                <a:latin typeface="Calibri" panose="020F0502020204030204" pitchFamily="34" charset="0"/>
-                <a:cs typeface="Calibri" panose="020F0502020204030204" pitchFamily="34" charset="0"/>
-                <a:sym typeface="+mn-ea"/>
-              </a:rPr>
-              <a:t>Uniswap Contracts</a:t>
-            </a:r>
-            <a:endParaRPr lang="en-US" sz="3200" b="1" dirty="0">
-              <a:latin typeface="Calibri" panose="020F0502020204030204" pitchFamily="34" charset="0"/>
-              <a:cs typeface="Calibri" panose="020F0502020204030204" pitchFamily="34" charset="0"/>
-            </a:endParaRPr>
-          </a:p>
-        </p:txBody>
-      </p:sp>
-      <p:pic>
-        <p:nvPicPr>
-          <p:cNvPr id="3" name="图片 2"/>
-          <p:cNvPicPr>
-            <a:picLocks noChangeAspect="1"/>
-          </p:cNvPicPr>
-          <p:nvPr>
-            <p:custDataLst>
-              <p:tags r:id="rId1"/>
-            </p:custDataLst>
-          </p:nvPr>
-        </p:nvPicPr>
-        <p:blipFill>
-          <a:blip r:embed="rId2"/>
-          <a:stretch>
-            <a:fillRect/>
-          </a:stretch>
-        </p:blipFill>
-        <p:spPr>
-          <a:xfrm>
-            <a:off x="988060" y="635635"/>
-            <a:ext cx="7167245" cy="6222365"/>
-          </a:xfrm>
-          <a:prstGeom prst="rect">
-            <a:avLst/>
-          </a:prstGeom>
-        </p:spPr>
-      </p:pic>
-    </p:spTree>
-  </p:cSld>
-  <p:clrMapOvr>
-    <a:masterClrMapping/>
-  </p:clrMapOvr>
-</p:sld>
-</file>
-
 <file path=ppt/slides/slide9.xml><?xml version="1.0" encoding="utf-8"?>
 <p:sld xmlns:a="http://schemas.openxmlformats.org/drawingml/2006/main" xmlns:r="http://schemas.openxmlformats.org/officeDocument/2006/relationships" xmlns:p="http://schemas.openxmlformats.org/presentationml/2006/main">
   <p:cSld>
@@ -8687,7 +9376,7 @@
                 <a:cs typeface="Calibri" panose="020F0502020204030204" pitchFamily="34" charset="0"/>
                 <a:sym typeface="+mn-ea"/>
               </a:rPr>
-              <a:t>Uniswap Contracts</a:t>
+              <a:t>Uniswap Contracts Introduction</a:t>
             </a:r>
             <a:endParaRPr lang="en-US" sz="3200" b="1" dirty="0">
               <a:latin typeface="Calibri" panose="020F0502020204030204" pitchFamily="34" charset="0"/>
@@ -8696,248 +9385,9 @@
           </a:p>
         </p:txBody>
       </p:sp>
-      <p:sp>
-        <p:nvSpPr>
-          <p:cNvPr id="5" name="Content Placeholder 2"/>
-          <p:cNvSpPr>
-            <a:spLocks noGrp="1"/>
-          </p:cNvSpPr>
-          <p:nvPr>
-            <p:ph idx="1"/>
-          </p:nvPr>
-        </p:nvSpPr>
-        <p:spPr>
-          <a:xfrm>
-            <a:off x="628650" y="989044"/>
-            <a:ext cx="7886700" cy="5605719"/>
-          </a:xfrm>
-        </p:spPr>
-        <p:txBody>
-          <a:bodyPr>
-            <a:normAutofit lnSpcReduction="10000"/>
-          </a:bodyPr>
-          <a:p>
-            <a:pPr marL="228600" lvl="0" indent="-228600" defTabSz="342900">
-              <a:lnSpc>
-                <a:spcPct val="120000"/>
-              </a:lnSpc>
-              <a:buFont typeface="Arial" panose="020B0604020202020204" pitchFamily="34" charset="0"/>
-              <a:buChar char="•"/>
-            </a:pPr>
-            <a:r>
-              <a:rPr lang="en-US" altLang="en-US" sz="1800" dirty="0">
-                <a:solidFill>
-                  <a:srgbClr val="262626"/>
-                </a:solidFill>
-              </a:rPr>
-              <a:t>The CREATE2 opcode gives us the ability predict the address where a contract will be deployed, without ever having to do so</a:t>
-            </a:r>
-            <a:endParaRPr lang="en-US" altLang="en-US" sz="1800" dirty="0">
-              <a:solidFill>
-                <a:srgbClr val="262626"/>
-              </a:solidFill>
-            </a:endParaRPr>
-          </a:p>
-          <a:p>
-            <a:pPr marL="228600" lvl="0" indent="-228600" defTabSz="342900">
-              <a:lnSpc>
-                <a:spcPct val="120000"/>
-              </a:lnSpc>
-              <a:buFont typeface="Arial" panose="020B0604020202020204" pitchFamily="34" charset="0"/>
-              <a:buChar char="•"/>
-            </a:pPr>
-            <a:endParaRPr lang="en-US" altLang="en-US" sz="1800" dirty="0">
-              <a:solidFill>
-                <a:srgbClr val="262626"/>
-              </a:solidFill>
-            </a:endParaRPr>
-          </a:p>
-          <a:p>
-            <a:pPr marL="228600" lvl="0" indent="-228600" defTabSz="342900">
-              <a:lnSpc>
-                <a:spcPct val="120000"/>
-              </a:lnSpc>
-              <a:buFont typeface="Arial" panose="020B0604020202020204" pitchFamily="34" charset="0"/>
-              <a:buChar char="•"/>
-            </a:pPr>
-            <a:endParaRPr lang="en-US" altLang="en-US" sz="1800" dirty="0">
-              <a:solidFill>
-                <a:srgbClr val="262626"/>
-              </a:solidFill>
-            </a:endParaRPr>
-          </a:p>
-          <a:p>
-            <a:pPr marL="228600" lvl="0" indent="-228600" defTabSz="342900">
-              <a:lnSpc>
-                <a:spcPct val="120000"/>
-              </a:lnSpc>
-              <a:buFont typeface="Arial" panose="020B0604020202020204" pitchFamily="34" charset="0"/>
-              <a:buChar char="•"/>
-            </a:pPr>
-            <a:endParaRPr lang="en-US" altLang="en-US" sz="1800" dirty="0">
-              <a:solidFill>
-                <a:srgbClr val="262626"/>
-              </a:solidFill>
-            </a:endParaRPr>
-          </a:p>
-          <a:p>
-            <a:pPr marL="228600" lvl="0" indent="-228600" defTabSz="342900">
-              <a:lnSpc>
-                <a:spcPct val="120000"/>
-              </a:lnSpc>
-              <a:buFont typeface="Arial" panose="020B0604020202020204" pitchFamily="34" charset="0"/>
-              <a:buChar char="•"/>
-            </a:pPr>
-            <a:endParaRPr lang="en-US" altLang="en-US" sz="1800" dirty="0">
-              <a:solidFill>
-                <a:srgbClr val="262626"/>
-              </a:solidFill>
-            </a:endParaRPr>
-          </a:p>
-          <a:p>
-            <a:pPr marL="228600" lvl="0" indent="-228600" defTabSz="342900">
-              <a:lnSpc>
-                <a:spcPct val="120000"/>
-              </a:lnSpc>
-              <a:buFont typeface="Arial" panose="020B0604020202020204" pitchFamily="34" charset="0"/>
-              <a:buChar char="•"/>
-            </a:pPr>
-            <a:endParaRPr lang="en-US" altLang="en-US" sz="1800" dirty="0">
-              <a:solidFill>
-                <a:srgbClr val="262626"/>
-              </a:solidFill>
-            </a:endParaRPr>
-          </a:p>
-          <a:p>
-            <a:pPr marL="228600" lvl="0" indent="-228600" defTabSz="342900">
-              <a:lnSpc>
-                <a:spcPct val="120000"/>
-              </a:lnSpc>
-              <a:buFont typeface="Arial" panose="020B0604020202020204" pitchFamily="34" charset="0"/>
-              <a:buChar char="•"/>
-            </a:pPr>
-            <a:endParaRPr lang="en-US" altLang="en-US" sz="1800" dirty="0">
-              <a:solidFill>
-                <a:srgbClr val="262626"/>
-              </a:solidFill>
-            </a:endParaRPr>
-          </a:p>
-          <a:p>
-            <a:pPr marL="228600" lvl="0" indent="-228600" defTabSz="342900">
-              <a:lnSpc>
-                <a:spcPct val="120000"/>
-              </a:lnSpc>
-              <a:buFont typeface="Arial" panose="020B0604020202020204" pitchFamily="34" charset="0"/>
-              <a:buChar char="•"/>
-            </a:pPr>
-            <a:r>
-              <a:rPr lang="en-US" altLang="en-US" sz="1800" dirty="0">
-                <a:solidFill>
-                  <a:srgbClr val="262626"/>
-                </a:solidFill>
-              </a:rPr>
-              <a:t>IUniswapV2Pair(pair).initialize(token1,token2) :  when you call functions on that contract, they should be sent to the address </a:t>
-            </a:r>
-            <a:r>
-              <a:rPr lang="en-US" altLang="en-US" sz="1800" dirty="0">
-                <a:solidFill>
-                  <a:srgbClr val="262626"/>
-                </a:solidFill>
-                <a:sym typeface="+mn-ea"/>
-              </a:rPr>
-              <a:t>pair</a:t>
-            </a:r>
-            <a:r>
-              <a:rPr lang="en-US" altLang="en-US" sz="1800" dirty="0">
-                <a:solidFill>
-                  <a:srgbClr val="262626"/>
-                </a:solidFill>
-              </a:rPr>
-              <a:t>.</a:t>
-            </a:r>
-            <a:endParaRPr lang="en-US" altLang="en-US" sz="1800" dirty="0">
-              <a:solidFill>
-                <a:srgbClr val="262626"/>
-              </a:solidFill>
-            </a:endParaRPr>
-          </a:p>
-          <a:p>
-            <a:pPr marL="228600" lvl="0" indent="-228600" defTabSz="342900">
-              <a:lnSpc>
-                <a:spcPct val="120000"/>
-              </a:lnSpc>
-              <a:buFont typeface="Arial" panose="020B0604020202020204" pitchFamily="34" charset="0"/>
-              <a:buChar char="•"/>
-            </a:pPr>
-            <a:r>
-              <a:rPr lang="en-US" altLang="en-US" sz="1800" dirty="0">
-                <a:solidFill>
-                  <a:srgbClr val="262626"/>
-                </a:solidFill>
-              </a:rPr>
-              <a:t>use type(aa).creationCode to create a new contract</a:t>
-            </a:r>
-            <a:endParaRPr lang="en-US" altLang="en-US" sz="1800" dirty="0">
-              <a:solidFill>
-                <a:srgbClr val="262626"/>
-              </a:solidFill>
-            </a:endParaRPr>
-          </a:p>
-          <a:p>
-            <a:pPr marL="228600" lvl="0" indent="-228600" defTabSz="342900">
-              <a:lnSpc>
-                <a:spcPct val="120000"/>
-              </a:lnSpc>
-              <a:buFont typeface="Arial" panose="020B0604020202020204" pitchFamily="34" charset="0"/>
-              <a:buChar char="•"/>
-            </a:pPr>
-            <a:r>
-              <a:rPr lang="en-US" altLang="en-US" sz="1800" dirty="0">
-                <a:solidFill>
-                  <a:srgbClr val="262626"/>
-                </a:solidFill>
-              </a:rPr>
-              <a:t>keccak256(bytes memory) returns (bytes32) − computes the Keccak-256 hash of the input.</a:t>
-            </a:r>
-            <a:endParaRPr lang="en-US" altLang="en-US" sz="1800" dirty="0">
-              <a:solidFill>
-                <a:srgbClr val="262626"/>
-              </a:solidFill>
-            </a:endParaRPr>
-          </a:p>
-          <a:p>
-            <a:pPr marL="228600" lvl="0" indent="-228600" defTabSz="342900">
-              <a:lnSpc>
-                <a:spcPct val="120000"/>
-              </a:lnSpc>
-              <a:buFont typeface="Arial" panose="020B0604020202020204" pitchFamily="34" charset="0"/>
-              <a:buChar char="•"/>
-            </a:pPr>
-            <a:endParaRPr lang="en-US" altLang="en-US" sz="1800" dirty="0">
-              <a:solidFill>
-                <a:srgbClr val="262626"/>
-              </a:solidFill>
-            </a:endParaRPr>
-          </a:p>
-          <a:p>
-            <a:pPr marL="228600" lvl="0" indent="-228600" defTabSz="342900">
-              <a:lnSpc>
-                <a:spcPct val="120000"/>
-              </a:lnSpc>
-              <a:buFont typeface="Arial" panose="020B0604020202020204" pitchFamily="34" charset="0"/>
-              <a:buChar char="•"/>
-            </a:pPr>
-            <a:endParaRPr lang="en-US" altLang="en-US" sz="1800" dirty="0">
-              <a:solidFill>
-                <a:srgbClr val="262626"/>
-              </a:solidFill>
-            </a:endParaRPr>
-          </a:p>
-        </p:txBody>
-      </p:sp>
       <p:pic>
         <p:nvPicPr>
-          <p:cNvPr id="6" name="图片 5"/>
+          <p:cNvPr id="4" name="图片 3"/>
           <p:cNvPicPr>
             <a:picLocks noChangeAspect="1"/>
           </p:cNvPicPr>
@@ -8951,26 +9401,344 @@
         </p:blipFill>
         <p:spPr>
           <a:xfrm>
-            <a:off x="628650" y="1882775"/>
-            <a:ext cx="4867275" cy="2314575"/>
+            <a:off x="6487160" y="1542415"/>
+            <a:ext cx="2656840" cy="3411855"/>
           </a:xfrm>
           <a:prstGeom prst="rect">
             <a:avLst/>
           </a:prstGeom>
         </p:spPr>
       </p:pic>
+      <p:sp>
+        <p:nvSpPr>
+          <p:cNvPr id="6" name="Content Placeholder 2"/>
+          <p:cNvSpPr>
+            <a:spLocks noGrp="1"/>
+          </p:cNvSpPr>
+          <p:nvPr>
+            <p:ph idx="1"/>
+          </p:nvPr>
+        </p:nvSpPr>
+        <p:spPr>
+          <a:xfrm>
+            <a:off x="628650" y="989044"/>
+            <a:ext cx="7886700" cy="5605719"/>
+          </a:xfrm>
+        </p:spPr>
+        <p:txBody>
+          <a:bodyPr>
+            <a:normAutofit/>
+          </a:bodyPr>
+          <a:lstStyle/>
+          <a:p>
+            <a:pPr marL="228600" lvl="0" indent="-228600" defTabSz="342900">
+              <a:lnSpc>
+                <a:spcPct val="120000"/>
+              </a:lnSpc>
+              <a:buFont typeface="Arial" panose="020B0604020202020204" pitchFamily="34" charset="0"/>
+              <a:buChar char="•"/>
+            </a:pPr>
+            <a:r>
+              <a:rPr lang="en-US" altLang="en-US" sz="1540" dirty="0">
+                <a:solidFill>
+                  <a:srgbClr val="262626"/>
+                </a:solidFill>
+              </a:rPr>
+              <a:t>2 main repositories:</a:t>
+            </a:r>
+            <a:endParaRPr lang="en-US" altLang="en-US" sz="1540" dirty="0">
+              <a:solidFill>
+                <a:srgbClr val="262626"/>
+              </a:solidFill>
+            </a:endParaRPr>
+          </a:p>
+          <a:p>
+            <a:pPr marL="228600" lvl="0" indent="-228600" defTabSz="342900">
+              <a:lnSpc>
+                <a:spcPct val="120000"/>
+              </a:lnSpc>
+              <a:buFont typeface="Arial" panose="020B0604020202020204" pitchFamily="34" charset="0"/>
+              <a:buChar char="•"/>
+            </a:pPr>
+            <a:r>
+              <a:rPr lang="en-US" altLang="en-US" sz="1540" dirty="0">
+                <a:solidFill>
+                  <a:srgbClr val="262626"/>
+                </a:solidFill>
+              </a:rPr>
+              <a:t>Uniswap-Core</a:t>
+            </a:r>
+            <a:endParaRPr lang="en-US" altLang="en-US" sz="1540" dirty="0">
+              <a:solidFill>
+                <a:srgbClr val="262626"/>
+              </a:solidFill>
+            </a:endParaRPr>
+          </a:p>
+          <a:p>
+            <a:pPr marL="228600" lvl="0" indent="-228600" defTabSz="342900">
+              <a:lnSpc>
+                <a:spcPct val="120000"/>
+              </a:lnSpc>
+              <a:buFont typeface="Arial" panose="020B0604020202020204" pitchFamily="34" charset="0"/>
+              <a:buChar char="•"/>
+            </a:pPr>
+            <a:r>
+              <a:rPr lang="en-US" altLang="en-US" sz="1540" dirty="0">
+                <a:solidFill>
+                  <a:srgbClr val="262626"/>
+                </a:solidFill>
+              </a:rPr>
+              <a:t>Periphery</a:t>
+            </a:r>
+            <a:endParaRPr lang="en-US" altLang="en-US" sz="1540" dirty="0">
+              <a:solidFill>
+                <a:srgbClr val="262626"/>
+              </a:solidFill>
+            </a:endParaRPr>
+          </a:p>
+          <a:p>
+            <a:pPr marL="228600" lvl="0" indent="-228600" defTabSz="342900">
+              <a:lnSpc>
+                <a:spcPct val="120000"/>
+              </a:lnSpc>
+              <a:buFont typeface="Arial" panose="020B0604020202020204" pitchFamily="34" charset="0"/>
+              <a:buChar char="•"/>
+            </a:pPr>
+            <a:endParaRPr lang="en-US" altLang="en-US" sz="1540" dirty="0">
+              <a:solidFill>
+                <a:srgbClr val="262626"/>
+              </a:solidFill>
+            </a:endParaRPr>
+          </a:p>
+          <a:p>
+            <a:pPr marL="228600" lvl="0" indent="-228600" defTabSz="342900">
+              <a:lnSpc>
+                <a:spcPct val="120000"/>
+              </a:lnSpc>
+              <a:buFont typeface="Arial" panose="020B0604020202020204" pitchFamily="34" charset="0"/>
+              <a:buChar char="•"/>
+            </a:pPr>
+            <a:r>
+              <a:rPr lang="en-US" altLang="en-US" sz="1535" dirty="0">
+                <a:solidFill>
+                  <a:srgbClr val="262626"/>
+                </a:solidFill>
+                <a:sym typeface="+mn-ea"/>
+              </a:rPr>
+              <a:t>Uniswap-Core: create trading pair contracts using factory</a:t>
+            </a:r>
+            <a:endParaRPr lang="en-US" altLang="en-US" sz="1535" dirty="0">
+              <a:solidFill>
+                <a:srgbClr val="262626"/>
+              </a:solidFill>
+            </a:endParaRPr>
+          </a:p>
+          <a:p>
+            <a:pPr marL="228600" lvl="0" indent="-228600" defTabSz="342900">
+              <a:lnSpc>
+                <a:spcPct val="120000"/>
+              </a:lnSpc>
+              <a:buFont typeface="Arial" panose="020B0604020202020204" pitchFamily="34" charset="0"/>
+              <a:buChar char="•"/>
+            </a:pPr>
+            <a:r>
+              <a:rPr lang="en-US" altLang="en-US" sz="1540" dirty="0">
+                <a:solidFill>
+                  <a:srgbClr val="262626"/>
+                </a:solidFill>
+              </a:rPr>
+              <a:t>1. UniswapV2ERC20.sol: liqudity token, when deposite TokenA and </a:t>
+            </a:r>
+            <a:endParaRPr lang="en-US" altLang="en-US" sz="1540" dirty="0">
+              <a:solidFill>
+                <a:srgbClr val="262626"/>
+              </a:solidFill>
+            </a:endParaRPr>
+          </a:p>
+          <a:p>
+            <a:pPr marL="228600" lvl="0" indent="-228600" defTabSz="342900">
+              <a:lnSpc>
+                <a:spcPct val="120000"/>
+              </a:lnSpc>
+              <a:buFont typeface="Arial" panose="020B0604020202020204" pitchFamily="34" charset="0"/>
+              <a:buChar char="•"/>
+            </a:pPr>
+            <a:r>
+              <a:rPr lang="en-US" altLang="en-US" sz="1540" dirty="0">
+                <a:solidFill>
+                  <a:srgbClr val="262626"/>
+                </a:solidFill>
+              </a:rPr>
+              <a:t>TokenB, the trading pair contract will generate this token as your</a:t>
+            </a:r>
+            <a:endParaRPr lang="en-US" altLang="en-US" sz="1540" dirty="0">
+              <a:solidFill>
+                <a:srgbClr val="262626"/>
+              </a:solidFill>
+            </a:endParaRPr>
+          </a:p>
+          <a:p>
+            <a:pPr marL="228600" lvl="0" indent="-228600" defTabSz="342900">
+              <a:lnSpc>
+                <a:spcPct val="120000"/>
+              </a:lnSpc>
+              <a:buFont typeface="Arial" panose="020B0604020202020204" pitchFamily="34" charset="0"/>
+              <a:buChar char="•"/>
+            </a:pPr>
+            <a:r>
+              <a:rPr lang="en-US" altLang="en-US" sz="1540" dirty="0">
+                <a:solidFill>
+                  <a:srgbClr val="262626"/>
+                </a:solidFill>
+              </a:rPr>
+              <a:t>liqudity deposite receipt</a:t>
+            </a:r>
+            <a:endParaRPr lang="en-US" altLang="en-US" sz="1540" dirty="0">
+              <a:solidFill>
+                <a:srgbClr val="262626"/>
+              </a:solidFill>
+            </a:endParaRPr>
+          </a:p>
+          <a:p>
+            <a:pPr marL="228600" lvl="0" indent="-228600" defTabSz="342900">
+              <a:lnSpc>
+                <a:spcPct val="120000"/>
+              </a:lnSpc>
+              <a:buFont typeface="Arial" panose="020B0604020202020204" pitchFamily="34" charset="0"/>
+              <a:buChar char="•"/>
+            </a:pPr>
+            <a:r>
+              <a:rPr lang="en-US" altLang="en-US" sz="1540" dirty="0">
+                <a:solidFill>
+                  <a:srgbClr val="262626"/>
+                </a:solidFill>
+              </a:rPr>
+              <a:t>2. UniswapV2Pair.sol: trading pair contract</a:t>
+            </a:r>
+            <a:endParaRPr lang="en-US" altLang="en-US" sz="1540" dirty="0">
+              <a:solidFill>
+                <a:srgbClr val="262626"/>
+              </a:solidFill>
+            </a:endParaRPr>
+          </a:p>
+          <a:p>
+            <a:pPr marL="228600" lvl="0" indent="-228600" defTabSz="342900">
+              <a:lnSpc>
+                <a:spcPct val="120000"/>
+              </a:lnSpc>
+              <a:buFont typeface="Arial" panose="020B0604020202020204" pitchFamily="34" charset="0"/>
+              <a:buChar char="•"/>
+            </a:pPr>
+            <a:r>
+              <a:rPr lang="en-US" altLang="en-US" sz="1540" dirty="0">
+                <a:solidFill>
+                  <a:srgbClr val="262626"/>
+                </a:solidFill>
+              </a:rPr>
+              <a:t>3. UniswapV2Factory: the factory contract to generate trading pair</a:t>
+            </a:r>
+            <a:endParaRPr lang="en-US" altLang="en-US" sz="1540" dirty="0">
+              <a:solidFill>
+                <a:srgbClr val="262626"/>
+              </a:solidFill>
+            </a:endParaRPr>
+          </a:p>
+          <a:p>
+            <a:pPr marL="228600" lvl="0" indent="-228600" defTabSz="342900">
+              <a:lnSpc>
+                <a:spcPct val="120000"/>
+              </a:lnSpc>
+              <a:buFont typeface="Arial" panose="020B0604020202020204" pitchFamily="34" charset="0"/>
+              <a:buChar char="•"/>
+            </a:pPr>
+            <a:r>
+              <a:rPr lang="en-US" altLang="en-US" sz="1540" dirty="0">
+                <a:solidFill>
+                  <a:srgbClr val="262626"/>
+                </a:solidFill>
+              </a:rPr>
+              <a:t>contract (trading venue)</a:t>
+            </a:r>
+            <a:endParaRPr lang="en-US" altLang="en-US" sz="1540" dirty="0">
+              <a:solidFill>
+                <a:srgbClr val="262626"/>
+              </a:solidFill>
+            </a:endParaRPr>
+          </a:p>
+          <a:p>
+            <a:pPr marL="228600" lvl="0" indent="-228600" defTabSz="342900">
+              <a:lnSpc>
+                <a:spcPct val="120000"/>
+              </a:lnSpc>
+              <a:buFont typeface="Arial" panose="020B0604020202020204" pitchFamily="34" charset="0"/>
+              <a:buChar char="•"/>
+            </a:pPr>
+            <a:endParaRPr lang="en-US" altLang="en-US" sz="1540" dirty="0">
+              <a:solidFill>
+                <a:srgbClr val="262626"/>
+              </a:solidFill>
+            </a:endParaRPr>
+          </a:p>
+          <a:p>
+            <a:pPr marL="228600" lvl="0" indent="-228600" defTabSz="342900">
+              <a:lnSpc>
+                <a:spcPct val="120000"/>
+              </a:lnSpc>
+              <a:buFont typeface="Arial" panose="020B0604020202020204" pitchFamily="34" charset="0"/>
+              <a:buChar char="•"/>
+            </a:pPr>
+            <a:r>
+              <a:rPr lang="en-US" altLang="en-US" sz="1540" dirty="0">
+                <a:solidFill>
+                  <a:srgbClr val="262626"/>
+                </a:solidFill>
+              </a:rPr>
+              <a:t>(</a:t>
+            </a:r>
+            <a:r>
+              <a:rPr lang="en-US" altLang="en-US" sz="1540" dirty="0">
+                <a:solidFill>
+                  <a:srgbClr val="FF0000"/>
+                </a:solidFill>
+              </a:rPr>
+              <a:t>Code Explain</a:t>
+            </a:r>
+            <a:r>
+              <a:rPr lang="en-US" altLang="en-US" sz="1540" dirty="0">
+                <a:solidFill>
+                  <a:srgbClr val="262626"/>
+                </a:solidFill>
+              </a:rPr>
+              <a:t>)</a:t>
+            </a:r>
+            <a:endParaRPr lang="en-US" altLang="en-US" sz="1540" dirty="0">
+              <a:solidFill>
+                <a:srgbClr val="262626"/>
+              </a:solidFill>
+            </a:endParaRPr>
+          </a:p>
+          <a:p>
+            <a:pPr marL="228600" lvl="0" indent="-228600" defTabSz="342900">
+              <a:lnSpc>
+                <a:spcPct val="120000"/>
+              </a:lnSpc>
+              <a:buFont typeface="Arial" panose="020B0604020202020204" pitchFamily="34" charset="0"/>
+              <a:buChar char="•"/>
+            </a:pPr>
+            <a:endParaRPr lang="en-US" altLang="en-US" sz="1540" dirty="0">
+              <a:solidFill>
+                <a:srgbClr val="262626"/>
+              </a:solidFill>
+            </a:endParaRPr>
+          </a:p>
+        </p:txBody>
+      </p:sp>
     </p:spTree>
   </p:cSld>
   <p:clrMapOvr>
     <a:masterClrMapping/>
   </p:clrMapOvr>
 </p:sld>
-</file>
-
-<file path=ppt/tags/tag1.xml><?xml version="1.0" encoding="utf-8"?>
-<p:tagLst xmlns:p="http://schemas.openxmlformats.org/presentationml/2006/main">
-  <p:tag name="KSO_WM_UNIT_PLACING_PICTURE_USER_VIEWPORT" val="{&quot;height&quot;:9090,&quot;width&quot;:10470}"/>
-</p:tagLst>
 </file>
 
 <file path=ppt/theme/theme1.xml><?xml version="1.0" encoding="utf-8"?>
